--- a/img/Screenshots2.pptx
+++ b/img/Screenshots2.pptx
@@ -292,7 +292,7 @@
           <a:p>
             <a:fld id="{DB51E640-C29E-9943-984B-A03C70657BF4}" type="datetimeFigureOut">
               <a:rPr lang="en-US" smtClean="0"/>
-              <a:t>28/04/2015</a:t>
+              <a:t>02/08/2015</a:t>
             </a:fld>
             <a:endParaRPr lang="en-US"/>
           </a:p>
@@ -462,7 +462,7 @@
           <a:p>
             <a:fld id="{DB51E640-C29E-9943-984B-A03C70657BF4}" type="datetimeFigureOut">
               <a:rPr lang="en-US" smtClean="0"/>
-              <a:t>28/04/2015</a:t>
+              <a:t>02/08/2015</a:t>
             </a:fld>
             <a:endParaRPr lang="en-US"/>
           </a:p>
@@ -642,7 +642,7 @@
           <a:p>
             <a:fld id="{DB51E640-C29E-9943-984B-A03C70657BF4}" type="datetimeFigureOut">
               <a:rPr lang="en-US" smtClean="0"/>
-              <a:t>28/04/2015</a:t>
+              <a:t>02/08/2015</a:t>
             </a:fld>
             <a:endParaRPr lang="en-US"/>
           </a:p>
@@ -812,7 +812,7 @@
           <a:p>
             <a:fld id="{DB51E640-C29E-9943-984B-A03C70657BF4}" type="datetimeFigureOut">
               <a:rPr lang="en-US" smtClean="0"/>
-              <a:t>28/04/2015</a:t>
+              <a:t>02/08/2015</a:t>
             </a:fld>
             <a:endParaRPr lang="en-US"/>
           </a:p>
@@ -1058,7 +1058,7 @@
           <a:p>
             <a:fld id="{DB51E640-C29E-9943-984B-A03C70657BF4}" type="datetimeFigureOut">
               <a:rPr lang="en-US" smtClean="0"/>
-              <a:t>28/04/2015</a:t>
+              <a:t>02/08/2015</a:t>
             </a:fld>
             <a:endParaRPr lang="en-US"/>
           </a:p>
@@ -1346,7 +1346,7 @@
           <a:p>
             <a:fld id="{DB51E640-C29E-9943-984B-A03C70657BF4}" type="datetimeFigureOut">
               <a:rPr lang="en-US" smtClean="0"/>
-              <a:t>28/04/2015</a:t>
+              <a:t>02/08/2015</a:t>
             </a:fld>
             <a:endParaRPr lang="en-US"/>
           </a:p>
@@ -1768,7 +1768,7 @@
           <a:p>
             <a:fld id="{DB51E640-C29E-9943-984B-A03C70657BF4}" type="datetimeFigureOut">
               <a:rPr lang="en-US" smtClean="0"/>
-              <a:t>28/04/2015</a:t>
+              <a:t>02/08/2015</a:t>
             </a:fld>
             <a:endParaRPr lang="en-US"/>
           </a:p>
@@ -1886,7 +1886,7 @@
           <a:p>
             <a:fld id="{DB51E640-C29E-9943-984B-A03C70657BF4}" type="datetimeFigureOut">
               <a:rPr lang="en-US" smtClean="0"/>
-              <a:t>28/04/2015</a:t>
+              <a:t>02/08/2015</a:t>
             </a:fld>
             <a:endParaRPr lang="en-US"/>
           </a:p>
@@ -1981,7 +1981,7 @@
           <a:p>
             <a:fld id="{DB51E640-C29E-9943-984B-A03C70657BF4}" type="datetimeFigureOut">
               <a:rPr lang="en-US" smtClean="0"/>
-              <a:t>28/04/2015</a:t>
+              <a:t>02/08/2015</a:t>
             </a:fld>
             <a:endParaRPr lang="en-US"/>
           </a:p>
@@ -2258,7 +2258,7 @@
           <a:p>
             <a:fld id="{DB51E640-C29E-9943-984B-A03C70657BF4}" type="datetimeFigureOut">
               <a:rPr lang="en-US" smtClean="0"/>
-              <a:t>28/04/2015</a:t>
+              <a:t>02/08/2015</a:t>
             </a:fld>
             <a:endParaRPr lang="en-US"/>
           </a:p>
@@ -2511,7 +2511,7 @@
           <a:p>
             <a:fld id="{DB51E640-C29E-9943-984B-A03C70657BF4}" type="datetimeFigureOut">
               <a:rPr lang="en-US" smtClean="0"/>
-              <a:t>28/04/2015</a:t>
+              <a:t>02/08/2015</a:t>
             </a:fld>
             <a:endParaRPr lang="en-US"/>
           </a:p>
@@ -2724,7 +2724,7 @@
           <a:p>
             <a:fld id="{DB51E640-C29E-9943-984B-A03C70657BF4}" type="datetimeFigureOut">
               <a:rPr lang="en-US" smtClean="0"/>
-              <a:t>28/04/2015</a:t>
+              <a:t>02/08/2015</a:t>
             </a:fld>
             <a:endParaRPr lang="en-US"/>
           </a:p>
@@ -4175,6 +4175,46 @@
                 </a:solidFill>
               </a:rPr>
               <a:t>6</a:t>
+            </a:r>
+            <a:endParaRPr lang="en-US" dirty="0">
+              <a:solidFill>
+                <a:srgbClr val="FF0000"/>
+              </a:solidFill>
+            </a:endParaRPr>
+          </a:p>
+        </p:txBody>
+      </p:sp>
+      <p:sp>
+        <p:nvSpPr>
+          <p:cNvPr id="17" name="TextBox 16"/>
+          <p:cNvSpPr txBox="1"/>
+          <p:nvPr/>
+        </p:nvSpPr>
+        <p:spPr>
+          <a:xfrm>
+            <a:off x="8791941" y="-2685"/>
+            <a:ext cx="301660" cy="369332"/>
+          </a:xfrm>
+          <a:prstGeom prst="rect">
+            <a:avLst/>
+          </a:prstGeom>
+          <a:solidFill>
+            <a:srgbClr val="FFFFFF"/>
+          </a:solidFill>
+        </p:spPr>
+        <p:txBody>
+          <a:bodyPr wrap="none" rtlCol="0">
+            <a:spAutoFit/>
+          </a:bodyPr>
+          <a:lstStyle/>
+          <a:p>
+            <a:r>
+              <a:rPr lang="en-US" dirty="0">
+                <a:solidFill>
+                  <a:srgbClr val="FF0000"/>
+                </a:solidFill>
+              </a:rPr>
+              <a:t>7</a:t>
             </a:r>
             <a:endParaRPr lang="en-US" dirty="0">
               <a:solidFill>
